--- a/hw/hw02/img/q3/imgs.pptx
+++ b/hw/hw02/img/q3/imgs.pptx
@@ -108,6 +108,11 @@
       </a:defRPr>
     </a:lvl9pPr>
   </p:defaultTextStyle>
+  <p:extLst>
+    <p:ext uri="{EFAFB233-063F-42B5-8137-9DF3F51BA10A}">
+      <p15:sldGuideLst xmlns:p15="http://schemas.microsoft.com/office/powerpoint/2012/main"/>
+    </p:ext>
+  </p:extLst>
 </p:presentation>
 </file>
 
@@ -4168,7 +4173,7 @@
         </p:blipFill>
         <p:spPr>
           <a:xfrm>
-            <a:off x="1654679" y="1493352"/>
+            <a:off x="1416554" y="0"/>
             <a:ext cx="8882642" cy="3871296"/>
           </a:xfrm>
           <a:prstGeom prst="rect">
@@ -4206,12 +4211,42 @@
           <a:chExt cx="0" cy="0"/>
         </a:xfrm>
       </p:grpSpPr>
+      <p:pic>
+        <p:nvPicPr>
+          <p:cNvPr id="25" name="Picture 24">
+            <a:extLst>
+              <a:ext uri="{FF2B5EF4-FFF2-40B4-BE49-F238E27FC236}">
+                <a16:creationId xmlns:a16="http://schemas.microsoft.com/office/drawing/2014/main" id="{ED14A16C-F6B6-4376-8F75-6B2AF958A1B3}"/>
+              </a:ext>
+            </a:extLst>
+          </p:cNvPr>
+          <p:cNvPicPr>
+            <a:picLocks noChangeAspect="1"/>
+          </p:cNvPicPr>
+          <p:nvPr/>
+        </p:nvPicPr>
+        <p:blipFill>
+          <a:blip r:embed="rId2"/>
+          <a:stretch>
+            <a:fillRect/>
+          </a:stretch>
+        </p:blipFill>
+        <p:spPr>
+          <a:xfrm>
+            <a:off x="11801370" y="173178"/>
+            <a:ext cx="8541236" cy="4054191"/>
+          </a:xfrm>
+          <a:prstGeom prst="rect">
+            <a:avLst/>
+          </a:prstGeom>
+        </p:spPr>
+      </p:pic>
       <p:cxnSp>
         <p:nvCxnSpPr>
-          <p:cNvPr id="2" name="Straight Arrow Connector 1">
-            <a:extLst>
-              <a:ext uri="{FF2B5EF4-FFF2-40B4-BE49-F238E27FC236}">
-                <a16:creationId xmlns:a16="http://schemas.microsoft.com/office/drawing/2014/main" id="{B0766544-2582-4643-967B-F635E7DADB54}"/>
+          <p:cNvPr id="8" name="Straight Arrow Connector 7">
+            <a:extLst>
+              <a:ext uri="{FF2B5EF4-FFF2-40B4-BE49-F238E27FC236}">
+                <a16:creationId xmlns:a16="http://schemas.microsoft.com/office/drawing/2014/main" id="{E734F4AD-D37B-4794-9017-BFF7C0636C29}"/>
               </a:ext>
             </a:extLst>
           </p:cNvPr>
@@ -4222,7 +4257,7 @@
         </p:nvCxnSpPr>
         <p:spPr>
           <a:xfrm flipV="1">
-            <a:off x="2510790" y="2200275"/>
+            <a:off x="2102003" y="2485611"/>
             <a:ext cx="0" cy="3468370"/>
           </a:xfrm>
           <a:prstGeom prst="straightConnector1">
@@ -4250,10 +4285,10 @@
       </p:cxnSp>
       <p:cxnSp>
         <p:nvCxnSpPr>
-          <p:cNvPr id="3" name="Straight Arrow Connector 2">
-            <a:extLst>
-              <a:ext uri="{FF2B5EF4-FFF2-40B4-BE49-F238E27FC236}">
-                <a16:creationId xmlns:a16="http://schemas.microsoft.com/office/drawing/2014/main" id="{ECC9D5ED-54CF-4315-B6E5-1D1C27925C56}"/>
+          <p:cNvPr id="9" name="Straight Arrow Connector 8">
+            <a:extLst>
+              <a:ext uri="{FF2B5EF4-FFF2-40B4-BE49-F238E27FC236}">
+                <a16:creationId xmlns:a16="http://schemas.microsoft.com/office/drawing/2014/main" id="{0435D727-9791-4557-AED5-D56683D4AB54}"/>
               </a:ext>
             </a:extLst>
           </p:cNvPr>
@@ -4264,7 +4299,7 @@
         </p:nvCxnSpPr>
         <p:spPr>
           <a:xfrm>
-            <a:off x="2314573" y="5440585"/>
+            <a:off x="1905786" y="5725921"/>
             <a:ext cx="7366637" cy="0"/>
           </a:xfrm>
           <a:prstGeom prst="straightConnector1">
@@ -4294,10 +4329,10 @@
         <mc:Choice xmlns:a14="http://schemas.microsoft.com/office/drawing/2010/main" Requires="a14">
           <p:sp>
             <p:nvSpPr>
-              <p:cNvPr id="4" name="TextBox 3">
+              <p:cNvPr id="10" name="TextBox 9">
                 <a:extLst>
                   <a:ext uri="{FF2B5EF4-FFF2-40B4-BE49-F238E27FC236}">
-                    <a16:creationId xmlns:a16="http://schemas.microsoft.com/office/drawing/2014/main" id="{F3DDC578-C38E-45FC-9630-F27A23326FD6}"/>
+                    <a16:creationId xmlns:a16="http://schemas.microsoft.com/office/drawing/2014/main" id="{FF668C18-A23C-45C8-B7B5-61ED4DF69E77}"/>
                   </a:ext>
                 </a:extLst>
               </p:cNvPr>
@@ -4306,7 +4341,7 @@
             </p:nvSpPr>
             <p:spPr>
               <a:xfrm>
-                <a:off x="1867852" y="1614986"/>
+                <a:off x="1459065" y="1900322"/>
                 <a:ext cx="1865948" cy="585288"/>
               </a:xfrm>
               <a:prstGeom prst="rect">
@@ -4436,10 +4471,10 @@
         <mc:Fallback>
           <p:sp>
             <p:nvSpPr>
-              <p:cNvPr id="4" name="TextBox 3">
+              <p:cNvPr id="10" name="TextBox 9">
                 <a:extLst>
                   <a:ext uri="{FF2B5EF4-FFF2-40B4-BE49-F238E27FC236}">
-                    <a16:creationId xmlns:a16="http://schemas.microsoft.com/office/drawing/2014/main" id="{F3DDC578-C38E-45FC-9630-F27A23326FD6}"/>
+                    <a16:creationId xmlns:a16="http://schemas.microsoft.com/office/drawing/2014/main" id="{FF668C18-A23C-45C8-B7B5-61ED4DF69E77}"/>
                   </a:ext>
                 </a:extLst>
               </p:cNvPr>
@@ -4450,16 +4485,16 @@
             </p:nvSpPr>
             <p:spPr>
               <a:xfrm>
-                <a:off x="1867852" y="1614986"/>
+                <a:off x="1459065" y="1900322"/>
                 <a:ext cx="1865948" cy="585288"/>
               </a:xfrm>
               <a:prstGeom prst="rect">
                 <a:avLst/>
               </a:prstGeom>
               <a:blipFill>
-                <a:blip r:embed="rId2"/>
+                <a:blip r:embed="rId3"/>
                 <a:stretch>
-                  <a:fillRect l="-2606"/>
+                  <a:fillRect l="-2614"/>
                 </a:stretch>
               </a:blipFill>
             </p:spPr>
@@ -4480,10 +4515,10 @@
       </mc:AlternateContent>
       <p:sp>
         <p:nvSpPr>
-          <p:cNvPr id="5" name="TextBox 4">
-            <a:extLst>
-              <a:ext uri="{FF2B5EF4-FFF2-40B4-BE49-F238E27FC236}">
-                <a16:creationId xmlns:a16="http://schemas.microsoft.com/office/drawing/2014/main" id="{F43D07DF-FF85-4D58-930F-AF8FAFC883D0}"/>
+          <p:cNvPr id="11" name="TextBox 10">
+            <a:extLst>
+              <a:ext uri="{FF2B5EF4-FFF2-40B4-BE49-F238E27FC236}">
+                <a16:creationId xmlns:a16="http://schemas.microsoft.com/office/drawing/2014/main" id="{D9B7C38D-83D6-4FD1-9416-A56E0049C6FC}"/>
               </a:ext>
             </a:extLst>
           </p:cNvPr>
@@ -4492,7 +4527,7 @@
         </p:nvSpPr>
         <p:spPr>
           <a:xfrm>
-            <a:off x="9681210" y="5197499"/>
+            <a:off x="9272423" y="5482835"/>
             <a:ext cx="676273" cy="369332"/>
           </a:xfrm>
           <a:prstGeom prst="rect">
@@ -4515,40 +4550,10 @@
       </p:sp>
       <p:pic>
         <p:nvPicPr>
-          <p:cNvPr id="22" name="Picture 21">
-            <a:extLst>
-              <a:ext uri="{FF2B5EF4-FFF2-40B4-BE49-F238E27FC236}">
-                <a16:creationId xmlns:a16="http://schemas.microsoft.com/office/drawing/2014/main" id="{3B709FED-B6D6-4ED7-99F3-0350A4621F47}"/>
-              </a:ext>
-            </a:extLst>
-          </p:cNvPr>
-          <p:cNvPicPr>
-            <a:picLocks noChangeAspect="1"/>
-          </p:cNvPicPr>
-          <p:nvPr/>
-        </p:nvPicPr>
-        <p:blipFill>
-          <a:blip r:embed="rId3"/>
-          <a:stretch>
-            <a:fillRect/>
-          </a:stretch>
-        </p:blipFill>
-        <p:spPr>
-          <a:xfrm flipV="1">
-            <a:off x="2510790" y="3617723"/>
-            <a:ext cx="6456224" cy="1822862"/>
-          </a:xfrm>
-          <a:prstGeom prst="rect">
-            <a:avLst/>
-          </a:prstGeom>
-        </p:spPr>
-      </p:pic>
-      <p:pic>
-        <p:nvPicPr>
-          <p:cNvPr id="25" name="Picture 24">
-            <a:extLst>
-              <a:ext uri="{FF2B5EF4-FFF2-40B4-BE49-F238E27FC236}">
-                <a16:creationId xmlns:a16="http://schemas.microsoft.com/office/drawing/2014/main" id="{ED14A16C-F6B6-4376-8F75-6B2AF958A1B3}"/>
+          <p:cNvPr id="12" name="Picture 11">
+            <a:extLst>
+              <a:ext uri="{FF2B5EF4-FFF2-40B4-BE49-F238E27FC236}">
+                <a16:creationId xmlns:a16="http://schemas.microsoft.com/office/drawing/2014/main" id="{5A4B32F8-B922-445F-95B5-3E0D4A6F70F2}"/>
               </a:ext>
             </a:extLst>
           </p:cNvPr>
@@ -4559,6 +4564,122 @@
         </p:nvPicPr>
         <p:blipFill>
           <a:blip r:embed="rId4"/>
+          <a:stretch>
+            <a:fillRect/>
+          </a:stretch>
+        </p:blipFill>
+        <p:spPr>
+          <a:xfrm flipV="1">
+            <a:off x="4445153" y="3903059"/>
+            <a:ext cx="2011508" cy="1822862"/>
+          </a:xfrm>
+          <a:prstGeom prst="rect">
+            <a:avLst/>
+          </a:prstGeom>
+        </p:spPr>
+      </p:pic>
+      <p:cxnSp>
+        <p:nvCxnSpPr>
+          <p:cNvPr id="13" name="Straight Connector 12">
+            <a:extLst>
+              <a:ext uri="{FF2B5EF4-FFF2-40B4-BE49-F238E27FC236}">
+                <a16:creationId xmlns:a16="http://schemas.microsoft.com/office/drawing/2014/main" id="{D18DA662-5A59-4ABB-981A-B86030984D85}"/>
+              </a:ext>
+            </a:extLst>
+          </p:cNvPr>
+          <p:cNvCxnSpPr>
+            <a:cxnSpLocks/>
+          </p:cNvCxnSpPr>
+          <p:nvPr/>
+        </p:nvCxnSpPr>
+        <p:spPr>
+          <a:xfrm>
+            <a:off x="2102003" y="5702493"/>
+            <a:ext cx="2343150" cy="0"/>
+          </a:xfrm>
+          <a:prstGeom prst="line">
+            <a:avLst/>
+          </a:prstGeom>
+          <a:ln w="28575">
+            <a:solidFill>
+              <a:srgbClr val="0070C0"/>
+            </a:solidFill>
+          </a:ln>
+        </p:spPr>
+        <p:style>
+          <a:lnRef idx="2">
+            <a:schemeClr val="dk1"/>
+          </a:lnRef>
+          <a:fillRef idx="0">
+            <a:schemeClr val="dk1"/>
+          </a:fillRef>
+          <a:effectRef idx="1">
+            <a:schemeClr val="dk1"/>
+          </a:effectRef>
+          <a:fontRef idx="minor">
+            <a:schemeClr val="tx1"/>
+          </a:fontRef>
+        </p:style>
+      </p:cxnSp>
+      <p:cxnSp>
+        <p:nvCxnSpPr>
+          <p:cNvPr id="14" name="Straight Connector 13">
+            <a:extLst>
+              <a:ext uri="{FF2B5EF4-FFF2-40B4-BE49-F238E27FC236}">
+                <a16:creationId xmlns:a16="http://schemas.microsoft.com/office/drawing/2014/main" id="{845697FD-8BC4-4F9D-AC6B-CDB638431D30}"/>
+              </a:ext>
+            </a:extLst>
+          </p:cNvPr>
+          <p:cNvCxnSpPr>
+            <a:cxnSpLocks/>
+          </p:cNvCxnSpPr>
+          <p:nvPr/>
+        </p:nvCxnSpPr>
+        <p:spPr>
+          <a:xfrm>
+            <a:off x="6350153" y="5713828"/>
+            <a:ext cx="2343150" cy="0"/>
+          </a:xfrm>
+          <a:prstGeom prst="line">
+            <a:avLst/>
+          </a:prstGeom>
+          <a:ln w="28575">
+            <a:solidFill>
+              <a:srgbClr val="0070C0"/>
+            </a:solidFill>
+          </a:ln>
+        </p:spPr>
+        <p:style>
+          <a:lnRef idx="2">
+            <a:schemeClr val="dk1"/>
+          </a:lnRef>
+          <a:fillRef idx="0">
+            <a:schemeClr val="dk1"/>
+          </a:fillRef>
+          <a:effectRef idx="1">
+            <a:schemeClr val="dk1"/>
+          </a:effectRef>
+          <a:fontRef idx="minor">
+            <a:schemeClr val="tx1"/>
+          </a:fontRef>
+        </p:style>
+      </p:cxnSp>
+      <p:pic>
+        <p:nvPicPr>
+          <p:cNvPr id="6" name="Picture 5">
+            <a:extLst>
+              <a:ext uri="{FF2B5EF4-FFF2-40B4-BE49-F238E27FC236}">
+                <a16:creationId xmlns:a16="http://schemas.microsoft.com/office/drawing/2014/main" id="{5D8F4589-C695-410F-88DB-C6F32616E74F}"/>
+              </a:ext>
+            </a:extLst>
+          </p:cNvPr>
+          <p:cNvPicPr>
+            <a:picLocks noChangeAspect="1"/>
+          </p:cNvPicPr>
+          <p:nvPr/>
+        </p:nvPicPr>
+        <p:blipFill>
+          <a:blip r:embed="rId5"/>
           <a:stretch>
             <a:fillRect/>
           </a:stretch>
